--- a/figures/RL_book_figures.pptx
+++ b/figures/RL_book_figures.pptx
@@ -7,6 +7,7 @@
   <p:sldIdLst>
     <p:sldId id="256" r:id="rId2"/>
     <p:sldId id="257" r:id="rId3"/>
+    <p:sldId id="258" r:id="rId4"/>
   </p:sldIdLst>
   <p:sldSz cx="12192000" cy="6858000"/>
   <p:notesSz cx="6858000" cy="9144000"/>
@@ -105,6 +106,11 @@
       </a:defRPr>
     </a:lvl9pPr>
   </p:defaultTextStyle>
+  <p:extLst>
+    <p:ext uri="{EFAFB233-063F-42B5-8137-9DF3F51BA10A}">
+      <p15:sldGuideLst xmlns:p15="http://schemas.microsoft.com/office/powerpoint/2012/main"/>
+    </p:ext>
+  </p:extLst>
 </p:presentation>
 </file>
 
@@ -255,7 +261,7 @@
           <a:p>
             <a:fld id="{C6C2C27C-EBF9-9F41-86F7-A130C270B2F2}" type="datetimeFigureOut">
               <a:rPr lang="en-US" smtClean="0"/>
-              <a:t>12/27/22</a:t>
+              <a:t>2/20/25</a:t>
             </a:fld>
             <a:endParaRPr lang="en-US"/>
           </a:p>
@@ -453,7 +459,7 @@
           <a:p>
             <a:fld id="{C6C2C27C-EBF9-9F41-86F7-A130C270B2F2}" type="datetimeFigureOut">
               <a:rPr lang="en-US" smtClean="0"/>
-              <a:t>12/27/22</a:t>
+              <a:t>2/20/25</a:t>
             </a:fld>
             <a:endParaRPr lang="en-US"/>
           </a:p>
@@ -661,7 +667,7 @@
           <a:p>
             <a:fld id="{C6C2C27C-EBF9-9F41-86F7-A130C270B2F2}" type="datetimeFigureOut">
               <a:rPr lang="en-US" smtClean="0"/>
-              <a:t>12/27/22</a:t>
+              <a:t>2/20/25</a:t>
             </a:fld>
             <a:endParaRPr lang="en-US"/>
           </a:p>
@@ -859,7 +865,7 @@
           <a:p>
             <a:fld id="{C6C2C27C-EBF9-9F41-86F7-A130C270B2F2}" type="datetimeFigureOut">
               <a:rPr lang="en-US" smtClean="0"/>
-              <a:t>12/27/22</a:t>
+              <a:t>2/20/25</a:t>
             </a:fld>
             <a:endParaRPr lang="en-US"/>
           </a:p>
@@ -1134,7 +1140,7 @@
           <a:p>
             <a:fld id="{C6C2C27C-EBF9-9F41-86F7-A130C270B2F2}" type="datetimeFigureOut">
               <a:rPr lang="en-US" smtClean="0"/>
-              <a:t>12/27/22</a:t>
+              <a:t>2/20/25</a:t>
             </a:fld>
             <a:endParaRPr lang="en-US"/>
           </a:p>
@@ -1399,7 +1405,7 @@
           <a:p>
             <a:fld id="{C6C2C27C-EBF9-9F41-86F7-A130C270B2F2}" type="datetimeFigureOut">
               <a:rPr lang="en-US" smtClean="0"/>
-              <a:t>12/27/22</a:t>
+              <a:t>2/20/25</a:t>
             </a:fld>
             <a:endParaRPr lang="en-US"/>
           </a:p>
@@ -1811,7 +1817,7 @@
           <a:p>
             <a:fld id="{C6C2C27C-EBF9-9F41-86F7-A130C270B2F2}" type="datetimeFigureOut">
               <a:rPr lang="en-US" smtClean="0"/>
-              <a:t>12/27/22</a:t>
+              <a:t>2/20/25</a:t>
             </a:fld>
             <a:endParaRPr lang="en-US"/>
           </a:p>
@@ -1952,7 +1958,7 @@
           <a:p>
             <a:fld id="{C6C2C27C-EBF9-9F41-86F7-A130C270B2F2}" type="datetimeFigureOut">
               <a:rPr lang="en-US" smtClean="0"/>
-              <a:t>12/27/22</a:t>
+              <a:t>2/20/25</a:t>
             </a:fld>
             <a:endParaRPr lang="en-US"/>
           </a:p>
@@ -2065,7 +2071,7 @@
           <a:p>
             <a:fld id="{C6C2C27C-EBF9-9F41-86F7-A130C270B2F2}" type="datetimeFigureOut">
               <a:rPr lang="en-US" smtClean="0"/>
-              <a:t>12/27/22</a:t>
+              <a:t>2/20/25</a:t>
             </a:fld>
             <a:endParaRPr lang="en-US"/>
           </a:p>
@@ -2376,7 +2382,7 @@
           <a:p>
             <a:fld id="{C6C2C27C-EBF9-9F41-86F7-A130C270B2F2}" type="datetimeFigureOut">
               <a:rPr lang="en-US" smtClean="0"/>
-              <a:t>12/27/22</a:t>
+              <a:t>2/20/25</a:t>
             </a:fld>
             <a:endParaRPr lang="en-US"/>
           </a:p>
@@ -2664,7 +2670,7 @@
           <a:p>
             <a:fld id="{C6C2C27C-EBF9-9F41-86F7-A130C270B2F2}" type="datetimeFigureOut">
               <a:rPr lang="en-US" smtClean="0"/>
-              <a:t>12/27/22</a:t>
+              <a:t>2/20/25</a:t>
             </a:fld>
             <a:endParaRPr lang="en-US"/>
           </a:p>
@@ -2905,7 +2911,7 @@
           <a:p>
             <a:fld id="{C6C2C27C-EBF9-9F41-86F7-A130C270B2F2}" type="datetimeFigureOut">
               <a:rPr lang="en-US" smtClean="0"/>
-              <a:t>12/27/22</a:t>
+              <a:t>2/20/25</a:t>
             </a:fld>
             <a:endParaRPr lang="en-US"/>
           </a:p>
@@ -3906,8 +3912,8 @@
           </a:p>
         </p:txBody>
       </p:sp>
-      <mc:AlternateContent xmlns:mc="http://schemas.openxmlformats.org/markup-compatibility/2006">
-        <mc:Choice xmlns:a14="http://schemas.microsoft.com/office/drawing/2010/main" Requires="a14">
+      <mc:AlternateContent xmlns:mc="http://schemas.openxmlformats.org/markup-compatibility/2006" xmlns:a14="http://schemas.microsoft.com/office/drawing/2010/main">
+        <mc:Choice Requires="a14">
           <p:sp>
             <p:nvSpPr>
               <p:cNvPr id="16" name="TextBox 15">
@@ -3936,6 +3942,7 @@
               </a:bodyPr>
               <a:lstStyle/>
               <a:p>
+                <a:pPr/>
                 <a14:m>
                   <m:oMathPara xmlns:m="http://schemas.openxmlformats.org/officeDocument/2006/math">
                     <m:oMathParaPr>
@@ -3975,7 +3982,7 @@
             </p:txBody>
           </p:sp>
         </mc:Choice>
-        <mc:Fallback>
+        <mc:Fallback xmlns="">
           <p:sp>
             <p:nvSpPr>
               <p:cNvPr id="16" name="TextBox 15">
@@ -4020,8 +4027,8 @@
           </p:sp>
         </mc:Fallback>
       </mc:AlternateContent>
-      <mc:AlternateContent xmlns:mc="http://schemas.openxmlformats.org/markup-compatibility/2006">
-        <mc:Choice xmlns:a14="http://schemas.microsoft.com/office/drawing/2010/main" Requires="a14">
+      <mc:AlternateContent xmlns:mc="http://schemas.openxmlformats.org/markup-compatibility/2006" xmlns:a14="http://schemas.microsoft.com/office/drawing/2010/main">
+        <mc:Choice Requires="a14">
           <p:sp>
             <p:nvSpPr>
               <p:cNvPr id="17" name="TextBox 16">
@@ -4050,6 +4057,7 @@
               </a:bodyPr>
               <a:lstStyle/>
               <a:p>
+                <a:pPr/>
                 <a14:m>
                   <m:oMathPara xmlns:m="http://schemas.openxmlformats.org/officeDocument/2006/math">
                     <m:oMathParaPr>
@@ -4089,7 +4097,7 @@
             </p:txBody>
           </p:sp>
         </mc:Choice>
-        <mc:Fallback>
+        <mc:Fallback xmlns="">
           <p:sp>
             <p:nvSpPr>
               <p:cNvPr id="17" name="TextBox 16">
@@ -4134,8 +4142,8 @@
           </p:sp>
         </mc:Fallback>
       </mc:AlternateContent>
-      <mc:AlternateContent xmlns:mc="http://schemas.openxmlformats.org/markup-compatibility/2006">
-        <mc:Choice xmlns:a14="http://schemas.microsoft.com/office/drawing/2010/main" Requires="a14">
+      <mc:AlternateContent xmlns:mc="http://schemas.openxmlformats.org/markup-compatibility/2006" xmlns:a14="http://schemas.microsoft.com/office/drawing/2010/main">
+        <mc:Choice Requires="a14">
           <p:sp>
             <p:nvSpPr>
               <p:cNvPr id="18" name="TextBox 17">
@@ -4164,6 +4172,7 @@
               </a:bodyPr>
               <a:lstStyle/>
               <a:p>
+                <a:pPr/>
                 <a14:m>
                   <m:oMathPara xmlns:m="http://schemas.openxmlformats.org/officeDocument/2006/math">
                     <m:oMathParaPr>
@@ -4203,7 +4212,7 @@
             </p:txBody>
           </p:sp>
         </mc:Choice>
-        <mc:Fallback>
+        <mc:Fallback xmlns="">
           <p:sp>
             <p:nvSpPr>
               <p:cNvPr id="18" name="TextBox 17">
@@ -4248,8 +4257,8 @@
           </p:sp>
         </mc:Fallback>
       </mc:AlternateContent>
-      <mc:AlternateContent xmlns:mc="http://schemas.openxmlformats.org/markup-compatibility/2006">
-        <mc:Choice xmlns:a14="http://schemas.microsoft.com/office/drawing/2010/main" Requires="a14">
+      <mc:AlternateContent xmlns:mc="http://schemas.openxmlformats.org/markup-compatibility/2006" xmlns:a14="http://schemas.microsoft.com/office/drawing/2010/main">
+        <mc:Choice Requires="a14">
           <p:sp>
             <p:nvSpPr>
               <p:cNvPr id="19" name="TextBox 18">
@@ -4278,6 +4287,7 @@
               </a:bodyPr>
               <a:lstStyle/>
               <a:p>
+                <a:pPr/>
                 <a14:m>
                   <m:oMathPara xmlns:m="http://schemas.openxmlformats.org/officeDocument/2006/math">
                     <m:oMathParaPr>
@@ -4330,7 +4340,7 @@
             </p:txBody>
           </p:sp>
         </mc:Choice>
-        <mc:Fallback>
+        <mc:Fallback xmlns="">
           <p:sp>
             <p:nvSpPr>
               <p:cNvPr id="19" name="TextBox 18">
@@ -4379,6 +4389,1571 @@
     <p:extLst>
       <p:ext uri="{BB962C8B-B14F-4D97-AF65-F5344CB8AC3E}">
         <p14:creationId xmlns:p14="http://schemas.microsoft.com/office/powerpoint/2010/main" val="3315619010"/>
+      </p:ext>
+    </p:extLst>
+  </p:cSld>
+  <p:clrMapOvr>
+    <a:masterClrMapping/>
+  </p:clrMapOvr>
+</p:sld>
+</file>
+
+<file path=ppt/slides/slide3.xml><?xml version="1.0" encoding="utf-8"?>
+<p:sld xmlns:a="http://schemas.openxmlformats.org/drawingml/2006/main" xmlns:r="http://schemas.openxmlformats.org/officeDocument/2006/relationships" xmlns:p="http://schemas.openxmlformats.org/presentationml/2006/main">
+  <p:cSld>
+    <p:spTree>
+      <p:nvGrpSpPr>
+        <p:cNvPr id="1" name=""/>
+        <p:cNvGrpSpPr/>
+        <p:nvPr/>
+      </p:nvGrpSpPr>
+      <p:grpSpPr>
+        <a:xfrm>
+          <a:off x="0" y="0"/>
+          <a:ext cx="0" cy="0"/>
+          <a:chOff x="0" y="0"/>
+          <a:chExt cx="0" cy="0"/>
+        </a:xfrm>
+      </p:grpSpPr>
+      <mc:AlternateContent xmlns:mc="http://schemas.openxmlformats.org/markup-compatibility/2006">
+        <mc:Choice xmlns:a14="http://schemas.microsoft.com/office/drawing/2010/main" Requires="a14">
+          <p:sp>
+            <p:nvSpPr>
+              <p:cNvPr id="2" name="Oval 1">
+                <a:extLst>
+                  <a:ext uri="{FF2B5EF4-FFF2-40B4-BE49-F238E27FC236}">
+                    <a16:creationId xmlns:a16="http://schemas.microsoft.com/office/drawing/2014/main" id="{B4498C7B-9AF2-F345-8029-CB4B16CAC005}"/>
+                  </a:ext>
+                </a:extLst>
+              </p:cNvPr>
+              <p:cNvSpPr/>
+              <p:nvPr/>
+            </p:nvSpPr>
+            <p:spPr>
+              <a:xfrm>
+                <a:off x="4925568" y="701040"/>
+                <a:ext cx="505968" cy="499872"/>
+              </a:xfrm>
+              <a:prstGeom prst="ellipse">
+                <a:avLst/>
+              </a:prstGeom>
+              <a:noFill/>
+              <a:ln>
+                <a:solidFill>
+                  <a:schemeClr val="tx1"/>
+                </a:solidFill>
+              </a:ln>
+            </p:spPr>
+            <p:style>
+              <a:lnRef idx="2">
+                <a:schemeClr val="accent1">
+                  <a:shade val="50000"/>
+                </a:schemeClr>
+              </a:lnRef>
+              <a:fillRef idx="1">
+                <a:schemeClr val="accent1"/>
+              </a:fillRef>
+              <a:effectRef idx="0">
+                <a:schemeClr val="accent1"/>
+              </a:effectRef>
+              <a:fontRef idx="minor">
+                <a:schemeClr val="lt1"/>
+              </a:fontRef>
+            </p:style>
+            <p:txBody>
+              <a:bodyPr rtlCol="0" anchor="ctr"/>
+              <a:lstStyle/>
+              <a:p>
+                <a:pPr algn="ctr"/>
+                <a14:m>
+                  <m:oMathPara xmlns:m="http://schemas.openxmlformats.org/officeDocument/2006/math">
+                    <m:oMathParaPr>
+                      <m:jc m:val="center"/>
+                    </m:oMathParaPr>
+                    <m:oMath xmlns:m="http://schemas.openxmlformats.org/officeDocument/2006/math">
+                      <m:sSub>
+                        <m:sSubPr>
+                          <m:ctrlPr>
+                            <a:rPr lang="en-US" sz="1600" b="0" i="1" smtClean="0">
+                              <a:solidFill>
+                                <a:schemeClr val="tx1"/>
+                              </a:solidFill>
+                              <a:latin typeface="Cambria Math" panose="02040503050406030204" pitchFamily="18" charset="0"/>
+                            </a:rPr>
+                          </m:ctrlPr>
+                        </m:sSubPr>
+                        <m:e>
+                          <m:r>
+                            <a:rPr lang="en-US" sz="1600" b="0" i="1" smtClean="0">
+                              <a:solidFill>
+                                <a:schemeClr val="tx1"/>
+                              </a:solidFill>
+                              <a:latin typeface="Cambria Math" panose="02040503050406030204" pitchFamily="18" charset="0"/>
+                            </a:rPr>
+                            <m:t>𝑠</m:t>
+                          </m:r>
+                        </m:e>
+                        <m:sub>
+                          <m:r>
+                            <a:rPr lang="en-US" sz="1600" b="0" i="1" smtClean="0">
+                              <a:solidFill>
+                                <a:schemeClr val="tx1"/>
+                              </a:solidFill>
+                              <a:latin typeface="Cambria Math" panose="02040503050406030204" pitchFamily="18" charset="0"/>
+                            </a:rPr>
+                            <m:t>𝑟𝑜𝑜𝑡</m:t>
+                          </m:r>
+                        </m:sub>
+                      </m:sSub>
+                    </m:oMath>
+                  </m:oMathPara>
+                </a14:m>
+                <a:endParaRPr lang="en-US" sz="1600" dirty="0">
+                  <a:solidFill>
+                    <a:schemeClr val="tx1"/>
+                  </a:solidFill>
+                </a:endParaRPr>
+              </a:p>
+            </p:txBody>
+          </p:sp>
+        </mc:Choice>
+        <mc:Fallback>
+          <p:sp>
+            <p:nvSpPr>
+              <p:cNvPr id="2" name="Oval 1">
+                <a:extLst>
+                  <a:ext uri="{FF2B5EF4-FFF2-40B4-BE49-F238E27FC236}">
+                    <a16:creationId xmlns:a16="http://schemas.microsoft.com/office/drawing/2014/main" id="{B4498C7B-9AF2-F345-8029-CB4B16CAC005}"/>
+                  </a:ext>
+                </a:extLst>
+              </p:cNvPr>
+              <p:cNvSpPr>
+                <a:spLocks noRot="1" noChangeAspect="1" noMove="1" noResize="1" noEditPoints="1" noAdjustHandles="1" noChangeArrowheads="1" noChangeShapeType="1" noTextEdit="1"/>
+              </p:cNvSpPr>
+              <p:nvPr/>
+            </p:nvSpPr>
+            <p:spPr>
+              <a:xfrm>
+                <a:off x="4925568" y="701040"/>
+                <a:ext cx="505968" cy="499872"/>
+              </a:xfrm>
+              <a:prstGeom prst="ellipse">
+                <a:avLst/>
+              </a:prstGeom>
+              <a:blipFill>
+                <a:blip r:embed="rId2"/>
+                <a:stretch>
+                  <a:fillRect l="-4762"/>
+                </a:stretch>
+              </a:blipFill>
+              <a:ln>
+                <a:solidFill>
+                  <a:schemeClr val="tx1"/>
+                </a:solidFill>
+              </a:ln>
+            </p:spPr>
+            <p:txBody>
+              <a:bodyPr/>
+              <a:lstStyle/>
+              <a:p>
+                <a:r>
+                  <a:rPr lang="en-US">
+                    <a:noFill/>
+                  </a:rPr>
+                  <a:t> </a:t>
+                </a:r>
+              </a:p>
+            </p:txBody>
+          </p:sp>
+        </mc:Fallback>
+      </mc:AlternateContent>
+      <mc:AlternateContent xmlns:mc="http://schemas.openxmlformats.org/markup-compatibility/2006">
+        <mc:Choice xmlns:a14="http://schemas.microsoft.com/office/drawing/2010/main" Requires="a14">
+          <p:sp>
+            <p:nvSpPr>
+              <p:cNvPr id="6" name="Oval 5">
+                <a:extLst>
+                  <a:ext uri="{FF2B5EF4-FFF2-40B4-BE49-F238E27FC236}">
+                    <a16:creationId xmlns:a16="http://schemas.microsoft.com/office/drawing/2014/main" id="{14B516C7-3D6F-194B-82F8-C393044814BC}"/>
+                  </a:ext>
+                </a:extLst>
+              </p:cNvPr>
+              <p:cNvSpPr/>
+              <p:nvPr/>
+            </p:nvSpPr>
+            <p:spPr>
+              <a:xfrm>
+                <a:off x="6120384" y="1725168"/>
+                <a:ext cx="505968" cy="499872"/>
+              </a:xfrm>
+              <a:prstGeom prst="ellipse">
+                <a:avLst/>
+              </a:prstGeom>
+              <a:noFill/>
+              <a:ln>
+                <a:solidFill>
+                  <a:schemeClr val="tx1"/>
+                </a:solidFill>
+              </a:ln>
+            </p:spPr>
+            <p:style>
+              <a:lnRef idx="2">
+                <a:schemeClr val="accent1">
+                  <a:shade val="50000"/>
+                </a:schemeClr>
+              </a:lnRef>
+              <a:fillRef idx="1">
+                <a:schemeClr val="accent1"/>
+              </a:fillRef>
+              <a:effectRef idx="0">
+                <a:schemeClr val="accent1"/>
+              </a:effectRef>
+              <a:fontRef idx="minor">
+                <a:schemeClr val="lt1"/>
+              </a:fontRef>
+            </p:style>
+            <p:txBody>
+              <a:bodyPr rtlCol="0" anchor="ctr"/>
+              <a:lstStyle/>
+              <a:p>
+                <a:pPr algn="ctr"/>
+                <a14:m>
+                  <m:oMathPara xmlns:m="http://schemas.openxmlformats.org/officeDocument/2006/math">
+                    <m:oMathParaPr>
+                      <m:jc m:val="center"/>
+                    </m:oMathParaPr>
+                    <m:oMath xmlns:m="http://schemas.openxmlformats.org/officeDocument/2006/math">
+                      <m:sSub>
+                        <m:sSubPr>
+                          <m:ctrlPr>
+                            <a:rPr lang="en-US" sz="1600" b="0" i="1" smtClean="0">
+                              <a:solidFill>
+                                <a:schemeClr val="tx1"/>
+                              </a:solidFill>
+                              <a:latin typeface="Cambria Math" panose="02040503050406030204" pitchFamily="18" charset="0"/>
+                            </a:rPr>
+                          </m:ctrlPr>
+                        </m:sSubPr>
+                        <m:e>
+                          <m:r>
+                            <a:rPr lang="en-US" sz="1600" b="0" i="1" smtClean="0">
+                              <a:solidFill>
+                                <a:schemeClr val="tx1"/>
+                              </a:solidFill>
+                              <a:latin typeface="Cambria Math" panose="02040503050406030204" pitchFamily="18" charset="0"/>
+                            </a:rPr>
+                            <m:t>𝑎</m:t>
+                          </m:r>
+                        </m:e>
+                        <m:sub>
+                          <m:r>
+                            <a:rPr lang="en-US" sz="1600" b="0" i="1" smtClean="0">
+                              <a:solidFill>
+                                <a:schemeClr val="tx1"/>
+                              </a:solidFill>
+                              <a:latin typeface="Cambria Math" panose="02040503050406030204" pitchFamily="18" charset="0"/>
+                            </a:rPr>
+                            <m:t>1</m:t>
+                          </m:r>
+                        </m:sub>
+                      </m:sSub>
+                    </m:oMath>
+                  </m:oMathPara>
+                </a14:m>
+                <a:endParaRPr lang="en-US" sz="1600" dirty="0">
+                  <a:solidFill>
+                    <a:schemeClr val="tx1"/>
+                  </a:solidFill>
+                </a:endParaRPr>
+              </a:p>
+            </p:txBody>
+          </p:sp>
+        </mc:Choice>
+        <mc:Fallback>
+          <p:sp>
+            <p:nvSpPr>
+              <p:cNvPr id="6" name="Oval 5">
+                <a:extLst>
+                  <a:ext uri="{FF2B5EF4-FFF2-40B4-BE49-F238E27FC236}">
+                    <a16:creationId xmlns:a16="http://schemas.microsoft.com/office/drawing/2014/main" id="{14B516C7-3D6F-194B-82F8-C393044814BC}"/>
+                  </a:ext>
+                </a:extLst>
+              </p:cNvPr>
+              <p:cNvSpPr>
+                <a:spLocks noRot="1" noChangeAspect="1" noMove="1" noResize="1" noEditPoints="1" noAdjustHandles="1" noChangeArrowheads="1" noChangeShapeType="1" noTextEdit="1"/>
+              </p:cNvSpPr>
+              <p:nvPr/>
+            </p:nvSpPr>
+            <p:spPr>
+              <a:xfrm>
+                <a:off x="6120384" y="1725168"/>
+                <a:ext cx="505968" cy="499872"/>
+              </a:xfrm>
+              <a:prstGeom prst="ellipse">
+                <a:avLst/>
+              </a:prstGeom>
+              <a:blipFill>
+                <a:blip r:embed="rId3"/>
+                <a:stretch>
+                  <a:fillRect/>
+                </a:stretch>
+              </a:blipFill>
+              <a:ln>
+                <a:solidFill>
+                  <a:schemeClr val="tx1"/>
+                </a:solidFill>
+              </a:ln>
+            </p:spPr>
+            <p:txBody>
+              <a:bodyPr/>
+              <a:lstStyle/>
+              <a:p>
+                <a:r>
+                  <a:rPr lang="en-US">
+                    <a:noFill/>
+                  </a:rPr>
+                  <a:t> </a:t>
+                </a:r>
+              </a:p>
+            </p:txBody>
+          </p:sp>
+        </mc:Fallback>
+      </mc:AlternateContent>
+      <mc:AlternateContent xmlns:mc="http://schemas.openxmlformats.org/markup-compatibility/2006">
+        <mc:Choice xmlns:a14="http://schemas.microsoft.com/office/drawing/2010/main" Requires="a14">
+          <p:sp>
+            <p:nvSpPr>
+              <p:cNvPr id="7" name="Oval 6">
+                <a:extLst>
+                  <a:ext uri="{FF2B5EF4-FFF2-40B4-BE49-F238E27FC236}">
+                    <a16:creationId xmlns:a16="http://schemas.microsoft.com/office/drawing/2014/main" id="{BB362FBD-E98F-3A41-901A-603F08A5AF33}"/>
+                  </a:ext>
+                </a:extLst>
+              </p:cNvPr>
+              <p:cNvSpPr/>
+              <p:nvPr/>
+            </p:nvSpPr>
+            <p:spPr>
+              <a:xfrm>
+                <a:off x="3688080" y="1725168"/>
+                <a:ext cx="505968" cy="499872"/>
+              </a:xfrm>
+              <a:prstGeom prst="ellipse">
+                <a:avLst/>
+              </a:prstGeom>
+              <a:noFill/>
+              <a:ln>
+                <a:solidFill>
+                  <a:schemeClr val="tx1"/>
+                </a:solidFill>
+              </a:ln>
+            </p:spPr>
+            <p:style>
+              <a:lnRef idx="2">
+                <a:schemeClr val="accent1">
+                  <a:shade val="50000"/>
+                </a:schemeClr>
+              </a:lnRef>
+              <a:fillRef idx="1">
+                <a:schemeClr val="accent1"/>
+              </a:fillRef>
+              <a:effectRef idx="0">
+                <a:schemeClr val="accent1"/>
+              </a:effectRef>
+              <a:fontRef idx="minor">
+                <a:schemeClr val="lt1"/>
+              </a:fontRef>
+            </p:style>
+            <p:txBody>
+              <a:bodyPr rtlCol="0" anchor="ctr"/>
+              <a:lstStyle/>
+              <a:p>
+                <a:pPr algn="ctr"/>
+                <a14:m>
+                  <m:oMathPara xmlns:m="http://schemas.openxmlformats.org/officeDocument/2006/math">
+                    <m:oMathParaPr>
+                      <m:jc m:val="center"/>
+                    </m:oMathParaPr>
+                    <m:oMath xmlns:m="http://schemas.openxmlformats.org/officeDocument/2006/math">
+                      <m:sSub>
+                        <m:sSubPr>
+                          <m:ctrlPr>
+                            <a:rPr lang="en-US" sz="1600" b="0" i="1" smtClean="0">
+                              <a:solidFill>
+                                <a:schemeClr val="tx1"/>
+                              </a:solidFill>
+                              <a:latin typeface="Cambria Math" panose="02040503050406030204" pitchFamily="18" charset="0"/>
+                            </a:rPr>
+                          </m:ctrlPr>
+                        </m:sSubPr>
+                        <m:e>
+                          <m:r>
+                            <a:rPr lang="en-US" sz="1600" b="0" i="1" smtClean="0">
+                              <a:solidFill>
+                                <a:schemeClr val="tx1"/>
+                              </a:solidFill>
+                              <a:latin typeface="Cambria Math" panose="02040503050406030204" pitchFamily="18" charset="0"/>
+                            </a:rPr>
+                            <m:t>𝑎</m:t>
+                          </m:r>
+                        </m:e>
+                        <m:sub>
+                          <m:r>
+                            <a:rPr lang="en-US" sz="1600" b="0" i="1" smtClean="0">
+                              <a:solidFill>
+                                <a:schemeClr val="tx1"/>
+                              </a:solidFill>
+                              <a:latin typeface="Cambria Math" panose="02040503050406030204" pitchFamily="18" charset="0"/>
+                            </a:rPr>
+                            <m:t>0</m:t>
+                          </m:r>
+                        </m:sub>
+                      </m:sSub>
+                    </m:oMath>
+                  </m:oMathPara>
+                </a14:m>
+                <a:endParaRPr lang="en-US" sz="1600" dirty="0">
+                  <a:solidFill>
+                    <a:schemeClr val="tx1"/>
+                  </a:solidFill>
+                </a:endParaRPr>
+              </a:p>
+            </p:txBody>
+          </p:sp>
+        </mc:Choice>
+        <mc:Fallback>
+          <p:sp>
+            <p:nvSpPr>
+              <p:cNvPr id="7" name="Oval 6">
+                <a:extLst>
+                  <a:ext uri="{FF2B5EF4-FFF2-40B4-BE49-F238E27FC236}">
+                    <a16:creationId xmlns:a16="http://schemas.microsoft.com/office/drawing/2014/main" id="{BB362FBD-E98F-3A41-901A-603F08A5AF33}"/>
+                  </a:ext>
+                </a:extLst>
+              </p:cNvPr>
+              <p:cNvSpPr>
+                <a:spLocks noRot="1" noChangeAspect="1" noMove="1" noResize="1" noEditPoints="1" noAdjustHandles="1" noChangeArrowheads="1" noChangeShapeType="1" noTextEdit="1"/>
+              </p:cNvSpPr>
+              <p:nvPr/>
+            </p:nvSpPr>
+            <p:spPr>
+              <a:xfrm>
+                <a:off x="3688080" y="1725168"/>
+                <a:ext cx="505968" cy="499872"/>
+              </a:xfrm>
+              <a:prstGeom prst="ellipse">
+                <a:avLst/>
+              </a:prstGeom>
+              <a:blipFill>
+                <a:blip r:embed="rId4"/>
+                <a:stretch>
+                  <a:fillRect/>
+                </a:stretch>
+              </a:blipFill>
+              <a:ln>
+                <a:solidFill>
+                  <a:schemeClr val="tx1"/>
+                </a:solidFill>
+              </a:ln>
+            </p:spPr>
+            <p:txBody>
+              <a:bodyPr/>
+              <a:lstStyle/>
+              <a:p>
+                <a:r>
+                  <a:rPr lang="en-US">
+                    <a:noFill/>
+                  </a:rPr>
+                  <a:t> </a:t>
+                </a:r>
+              </a:p>
+            </p:txBody>
+          </p:sp>
+        </mc:Fallback>
+      </mc:AlternateContent>
+      <mc:AlternateContent xmlns:mc="http://schemas.openxmlformats.org/markup-compatibility/2006">
+        <mc:Choice xmlns:a14="http://schemas.microsoft.com/office/drawing/2010/main" Requires="a14">
+          <p:sp>
+            <p:nvSpPr>
+              <p:cNvPr id="8" name="Oval 7">
+                <a:extLst>
+                  <a:ext uri="{FF2B5EF4-FFF2-40B4-BE49-F238E27FC236}">
+                    <a16:creationId xmlns:a16="http://schemas.microsoft.com/office/drawing/2014/main" id="{C4B1E6F8-7BEE-B64D-90B7-EDE292D222BF}"/>
+                  </a:ext>
+                </a:extLst>
+              </p:cNvPr>
+              <p:cNvSpPr/>
+              <p:nvPr/>
+            </p:nvSpPr>
+            <p:spPr>
+              <a:xfrm>
+                <a:off x="2694432" y="2938272"/>
+                <a:ext cx="505968" cy="499872"/>
+              </a:xfrm>
+              <a:prstGeom prst="ellipse">
+                <a:avLst/>
+              </a:prstGeom>
+              <a:noFill/>
+              <a:ln>
+                <a:solidFill>
+                  <a:schemeClr val="tx1"/>
+                </a:solidFill>
+              </a:ln>
+            </p:spPr>
+            <p:style>
+              <a:lnRef idx="2">
+                <a:schemeClr val="accent1">
+                  <a:shade val="50000"/>
+                </a:schemeClr>
+              </a:lnRef>
+              <a:fillRef idx="1">
+                <a:schemeClr val="accent1"/>
+              </a:fillRef>
+              <a:effectRef idx="0">
+                <a:schemeClr val="accent1"/>
+              </a:effectRef>
+              <a:fontRef idx="minor">
+                <a:schemeClr val="lt1"/>
+              </a:fontRef>
+            </p:style>
+            <p:txBody>
+              <a:bodyPr rtlCol="0" anchor="ctr"/>
+              <a:lstStyle/>
+              <a:p>
+                <a:pPr algn="ctr"/>
+                <a14:m>
+                  <m:oMathPara xmlns:m="http://schemas.openxmlformats.org/officeDocument/2006/math">
+                    <m:oMathParaPr>
+                      <m:jc m:val="center"/>
+                    </m:oMathParaPr>
+                    <m:oMath xmlns:m="http://schemas.openxmlformats.org/officeDocument/2006/math">
+                      <m:sSub>
+                        <m:sSubPr>
+                          <m:ctrlPr>
+                            <a:rPr lang="en-US" sz="1600" b="0" i="1" smtClean="0">
+                              <a:solidFill>
+                                <a:schemeClr val="tx1"/>
+                              </a:solidFill>
+                              <a:latin typeface="Cambria Math" panose="02040503050406030204" pitchFamily="18" charset="0"/>
+                            </a:rPr>
+                          </m:ctrlPr>
+                        </m:sSubPr>
+                        <m:e>
+                          <m:r>
+                            <a:rPr lang="en-US" sz="1600" b="0" i="1" smtClean="0">
+                              <a:solidFill>
+                                <a:schemeClr val="tx1"/>
+                              </a:solidFill>
+                              <a:latin typeface="Cambria Math" panose="02040503050406030204" pitchFamily="18" charset="0"/>
+                            </a:rPr>
+                            <m:t>𝑠</m:t>
+                          </m:r>
+                        </m:e>
+                        <m:sub>
+                          <m:r>
+                            <a:rPr lang="en-US" sz="1600" b="0" i="1" smtClean="0">
+                              <a:solidFill>
+                                <a:schemeClr val="tx1"/>
+                              </a:solidFill>
+                              <a:latin typeface="Cambria Math" panose="02040503050406030204" pitchFamily="18" charset="0"/>
+                            </a:rPr>
+                            <m:t>1</m:t>
+                          </m:r>
+                        </m:sub>
+                      </m:sSub>
+                    </m:oMath>
+                  </m:oMathPara>
+                </a14:m>
+                <a:endParaRPr lang="en-US" sz="1600" dirty="0">
+                  <a:solidFill>
+                    <a:schemeClr val="tx1"/>
+                  </a:solidFill>
+                </a:endParaRPr>
+              </a:p>
+            </p:txBody>
+          </p:sp>
+        </mc:Choice>
+        <mc:Fallback>
+          <p:sp>
+            <p:nvSpPr>
+              <p:cNvPr id="8" name="Oval 7">
+                <a:extLst>
+                  <a:ext uri="{FF2B5EF4-FFF2-40B4-BE49-F238E27FC236}">
+                    <a16:creationId xmlns:a16="http://schemas.microsoft.com/office/drawing/2014/main" id="{C4B1E6F8-7BEE-B64D-90B7-EDE292D222BF}"/>
+                  </a:ext>
+                </a:extLst>
+              </p:cNvPr>
+              <p:cNvSpPr>
+                <a:spLocks noRot="1" noChangeAspect="1" noMove="1" noResize="1" noEditPoints="1" noAdjustHandles="1" noChangeArrowheads="1" noChangeShapeType="1" noTextEdit="1"/>
+              </p:cNvSpPr>
+              <p:nvPr/>
+            </p:nvSpPr>
+            <p:spPr>
+              <a:xfrm>
+                <a:off x="2694432" y="2938272"/>
+                <a:ext cx="505968" cy="499872"/>
+              </a:xfrm>
+              <a:prstGeom prst="ellipse">
+                <a:avLst/>
+              </a:prstGeom>
+              <a:blipFill>
+                <a:blip r:embed="rId5"/>
+                <a:stretch>
+                  <a:fillRect/>
+                </a:stretch>
+              </a:blipFill>
+              <a:ln>
+                <a:solidFill>
+                  <a:schemeClr val="tx1"/>
+                </a:solidFill>
+              </a:ln>
+            </p:spPr>
+            <p:txBody>
+              <a:bodyPr/>
+              <a:lstStyle/>
+              <a:p>
+                <a:r>
+                  <a:rPr lang="en-US">
+                    <a:noFill/>
+                  </a:rPr>
+                  <a:t> </a:t>
+                </a:r>
+              </a:p>
+            </p:txBody>
+          </p:sp>
+        </mc:Fallback>
+      </mc:AlternateContent>
+      <mc:AlternateContent xmlns:mc="http://schemas.openxmlformats.org/markup-compatibility/2006">
+        <mc:Choice xmlns:a14="http://schemas.microsoft.com/office/drawing/2010/main" Requires="a14">
+          <p:sp>
+            <p:nvSpPr>
+              <p:cNvPr id="9" name="Oval 8">
+                <a:extLst>
+                  <a:ext uri="{FF2B5EF4-FFF2-40B4-BE49-F238E27FC236}">
+                    <a16:creationId xmlns:a16="http://schemas.microsoft.com/office/drawing/2014/main" id="{40A0F1A3-4BAF-E748-8D52-9FCAD5324194}"/>
+                  </a:ext>
+                </a:extLst>
+              </p:cNvPr>
+              <p:cNvSpPr/>
+              <p:nvPr/>
+            </p:nvSpPr>
+            <p:spPr>
+              <a:xfrm>
+                <a:off x="3435096" y="2938272"/>
+                <a:ext cx="505968" cy="499872"/>
+              </a:xfrm>
+              <a:prstGeom prst="ellipse">
+                <a:avLst/>
+              </a:prstGeom>
+              <a:noFill/>
+              <a:ln>
+                <a:solidFill>
+                  <a:schemeClr val="tx1"/>
+                </a:solidFill>
+              </a:ln>
+            </p:spPr>
+            <p:style>
+              <a:lnRef idx="2">
+                <a:schemeClr val="accent1">
+                  <a:shade val="50000"/>
+                </a:schemeClr>
+              </a:lnRef>
+              <a:fillRef idx="1">
+                <a:schemeClr val="accent1"/>
+              </a:fillRef>
+              <a:effectRef idx="0">
+                <a:schemeClr val="accent1"/>
+              </a:effectRef>
+              <a:fontRef idx="minor">
+                <a:schemeClr val="lt1"/>
+              </a:fontRef>
+            </p:style>
+            <p:txBody>
+              <a:bodyPr rtlCol="0" anchor="ctr"/>
+              <a:lstStyle/>
+              <a:p>
+                <a:pPr algn="ctr"/>
+                <a14:m>
+                  <m:oMathPara xmlns:m="http://schemas.openxmlformats.org/officeDocument/2006/math">
+                    <m:oMathParaPr>
+                      <m:jc m:val="center"/>
+                    </m:oMathParaPr>
+                    <m:oMath xmlns:m="http://schemas.openxmlformats.org/officeDocument/2006/math">
+                      <m:sSub>
+                        <m:sSubPr>
+                          <m:ctrlPr>
+                            <a:rPr lang="en-US" sz="1600" b="0" i="1" smtClean="0">
+                              <a:solidFill>
+                                <a:schemeClr val="tx1"/>
+                              </a:solidFill>
+                              <a:latin typeface="Cambria Math" panose="02040503050406030204" pitchFamily="18" charset="0"/>
+                            </a:rPr>
+                          </m:ctrlPr>
+                        </m:sSubPr>
+                        <m:e>
+                          <m:r>
+                            <a:rPr lang="en-US" sz="1600" b="0" i="1" smtClean="0">
+                              <a:solidFill>
+                                <a:schemeClr val="tx1"/>
+                              </a:solidFill>
+                              <a:latin typeface="Cambria Math" panose="02040503050406030204" pitchFamily="18" charset="0"/>
+                            </a:rPr>
+                            <m:t>𝑠</m:t>
+                          </m:r>
+                        </m:e>
+                        <m:sub>
+                          <m:r>
+                            <a:rPr lang="en-US" sz="1600" b="0" i="1" smtClean="0">
+                              <a:solidFill>
+                                <a:schemeClr val="tx1"/>
+                              </a:solidFill>
+                              <a:latin typeface="Cambria Math" panose="02040503050406030204" pitchFamily="18" charset="0"/>
+                            </a:rPr>
+                            <m:t>2</m:t>
+                          </m:r>
+                        </m:sub>
+                      </m:sSub>
+                    </m:oMath>
+                  </m:oMathPara>
+                </a14:m>
+                <a:endParaRPr lang="en-US" sz="1600" dirty="0">
+                  <a:solidFill>
+                    <a:schemeClr val="tx1"/>
+                  </a:solidFill>
+                </a:endParaRPr>
+              </a:p>
+            </p:txBody>
+          </p:sp>
+        </mc:Choice>
+        <mc:Fallback>
+          <p:sp>
+            <p:nvSpPr>
+              <p:cNvPr id="9" name="Oval 8">
+                <a:extLst>
+                  <a:ext uri="{FF2B5EF4-FFF2-40B4-BE49-F238E27FC236}">
+                    <a16:creationId xmlns:a16="http://schemas.microsoft.com/office/drawing/2014/main" id="{40A0F1A3-4BAF-E748-8D52-9FCAD5324194}"/>
+                  </a:ext>
+                </a:extLst>
+              </p:cNvPr>
+              <p:cNvSpPr>
+                <a:spLocks noRot="1" noChangeAspect="1" noMove="1" noResize="1" noEditPoints="1" noAdjustHandles="1" noChangeArrowheads="1" noChangeShapeType="1" noTextEdit="1"/>
+              </p:cNvSpPr>
+              <p:nvPr/>
+            </p:nvSpPr>
+            <p:spPr>
+              <a:xfrm>
+                <a:off x="3435096" y="2938272"/>
+                <a:ext cx="505968" cy="499872"/>
+              </a:xfrm>
+              <a:prstGeom prst="ellipse">
+                <a:avLst/>
+              </a:prstGeom>
+              <a:blipFill>
+                <a:blip r:embed="rId6"/>
+                <a:stretch>
+                  <a:fillRect/>
+                </a:stretch>
+              </a:blipFill>
+              <a:ln>
+                <a:solidFill>
+                  <a:schemeClr val="tx1"/>
+                </a:solidFill>
+              </a:ln>
+            </p:spPr>
+            <p:txBody>
+              <a:bodyPr/>
+              <a:lstStyle/>
+              <a:p>
+                <a:r>
+                  <a:rPr lang="en-US">
+                    <a:noFill/>
+                  </a:rPr>
+                  <a:t> </a:t>
+                </a:r>
+              </a:p>
+            </p:txBody>
+          </p:sp>
+        </mc:Fallback>
+      </mc:AlternateContent>
+      <mc:AlternateContent xmlns:mc="http://schemas.openxmlformats.org/markup-compatibility/2006">
+        <mc:Choice xmlns:a14="http://schemas.microsoft.com/office/drawing/2010/main" Requires="a14">
+          <p:sp>
+            <p:nvSpPr>
+              <p:cNvPr id="10" name="Oval 9">
+                <a:extLst>
+                  <a:ext uri="{FF2B5EF4-FFF2-40B4-BE49-F238E27FC236}">
+                    <a16:creationId xmlns:a16="http://schemas.microsoft.com/office/drawing/2014/main" id="{00E10942-2365-0445-BA34-5407C095DA99}"/>
+                  </a:ext>
+                </a:extLst>
+              </p:cNvPr>
+              <p:cNvSpPr/>
+              <p:nvPr/>
+            </p:nvSpPr>
+            <p:spPr>
+              <a:xfrm>
+                <a:off x="4175760" y="2938272"/>
+                <a:ext cx="505968" cy="499872"/>
+              </a:xfrm>
+              <a:prstGeom prst="ellipse">
+                <a:avLst/>
+              </a:prstGeom>
+              <a:noFill/>
+              <a:ln>
+                <a:solidFill>
+                  <a:schemeClr val="tx1"/>
+                </a:solidFill>
+              </a:ln>
+            </p:spPr>
+            <p:style>
+              <a:lnRef idx="2">
+                <a:schemeClr val="accent1">
+                  <a:shade val="50000"/>
+                </a:schemeClr>
+              </a:lnRef>
+              <a:fillRef idx="1">
+                <a:schemeClr val="accent1"/>
+              </a:fillRef>
+              <a:effectRef idx="0">
+                <a:schemeClr val="accent1"/>
+              </a:effectRef>
+              <a:fontRef idx="minor">
+                <a:schemeClr val="lt1"/>
+              </a:fontRef>
+            </p:style>
+            <p:txBody>
+              <a:bodyPr rtlCol="0" anchor="ctr"/>
+              <a:lstStyle/>
+              <a:p>
+                <a:pPr algn="ctr"/>
+                <a14:m>
+                  <m:oMathPara xmlns:m="http://schemas.openxmlformats.org/officeDocument/2006/math">
+                    <m:oMathParaPr>
+                      <m:jc m:val="center"/>
+                    </m:oMathParaPr>
+                    <m:oMath xmlns:m="http://schemas.openxmlformats.org/officeDocument/2006/math">
+                      <m:sSub>
+                        <m:sSubPr>
+                          <m:ctrlPr>
+                            <a:rPr lang="en-US" sz="1600" b="0" i="1" smtClean="0">
+                              <a:solidFill>
+                                <a:schemeClr val="tx1"/>
+                              </a:solidFill>
+                              <a:latin typeface="Cambria Math" panose="02040503050406030204" pitchFamily="18" charset="0"/>
+                            </a:rPr>
+                          </m:ctrlPr>
+                        </m:sSubPr>
+                        <m:e>
+                          <m:r>
+                            <a:rPr lang="en-US" sz="1600" b="0" i="1" smtClean="0">
+                              <a:solidFill>
+                                <a:schemeClr val="tx1"/>
+                              </a:solidFill>
+                              <a:latin typeface="Cambria Math" panose="02040503050406030204" pitchFamily="18" charset="0"/>
+                            </a:rPr>
+                            <m:t>𝑠</m:t>
+                          </m:r>
+                        </m:e>
+                        <m:sub>
+                          <m:r>
+                            <a:rPr lang="en-US" sz="1600" b="0" i="1" smtClean="0">
+                              <a:solidFill>
+                                <a:schemeClr val="tx1"/>
+                              </a:solidFill>
+                              <a:latin typeface="Cambria Math" panose="02040503050406030204" pitchFamily="18" charset="0"/>
+                            </a:rPr>
+                            <m:t>3</m:t>
+                          </m:r>
+                        </m:sub>
+                      </m:sSub>
+                    </m:oMath>
+                  </m:oMathPara>
+                </a14:m>
+                <a:endParaRPr lang="en-US" sz="1600" dirty="0">
+                  <a:solidFill>
+                    <a:schemeClr val="tx1"/>
+                  </a:solidFill>
+                </a:endParaRPr>
+              </a:p>
+            </p:txBody>
+          </p:sp>
+        </mc:Choice>
+        <mc:Fallback>
+          <p:sp>
+            <p:nvSpPr>
+              <p:cNvPr id="10" name="Oval 9">
+                <a:extLst>
+                  <a:ext uri="{FF2B5EF4-FFF2-40B4-BE49-F238E27FC236}">
+                    <a16:creationId xmlns:a16="http://schemas.microsoft.com/office/drawing/2014/main" id="{00E10942-2365-0445-BA34-5407C095DA99}"/>
+                  </a:ext>
+                </a:extLst>
+              </p:cNvPr>
+              <p:cNvSpPr>
+                <a:spLocks noRot="1" noChangeAspect="1" noMove="1" noResize="1" noEditPoints="1" noAdjustHandles="1" noChangeArrowheads="1" noChangeShapeType="1" noTextEdit="1"/>
+              </p:cNvSpPr>
+              <p:nvPr/>
+            </p:nvSpPr>
+            <p:spPr>
+              <a:xfrm>
+                <a:off x="4175760" y="2938272"/>
+                <a:ext cx="505968" cy="499872"/>
+              </a:xfrm>
+              <a:prstGeom prst="ellipse">
+                <a:avLst/>
+              </a:prstGeom>
+              <a:blipFill>
+                <a:blip r:embed="rId7"/>
+                <a:stretch>
+                  <a:fillRect/>
+                </a:stretch>
+              </a:blipFill>
+              <a:ln>
+                <a:solidFill>
+                  <a:schemeClr val="tx1"/>
+                </a:solidFill>
+              </a:ln>
+            </p:spPr>
+            <p:txBody>
+              <a:bodyPr/>
+              <a:lstStyle/>
+              <a:p>
+                <a:r>
+                  <a:rPr lang="en-US">
+                    <a:noFill/>
+                  </a:rPr>
+                  <a:t> </a:t>
+                </a:r>
+              </a:p>
+            </p:txBody>
+          </p:sp>
+        </mc:Fallback>
+      </mc:AlternateContent>
+      <mc:AlternateContent xmlns:mc="http://schemas.openxmlformats.org/markup-compatibility/2006">
+        <mc:Choice xmlns:a14="http://schemas.microsoft.com/office/drawing/2010/main" Requires="a14">
+          <p:sp>
+            <p:nvSpPr>
+              <p:cNvPr id="11" name="Oval 10">
+                <a:extLst>
+                  <a:ext uri="{FF2B5EF4-FFF2-40B4-BE49-F238E27FC236}">
+                    <a16:creationId xmlns:a16="http://schemas.microsoft.com/office/drawing/2014/main" id="{17338652-4146-0543-BDC3-4B7C57FFFCE6}"/>
+                  </a:ext>
+                </a:extLst>
+              </p:cNvPr>
+              <p:cNvSpPr/>
+              <p:nvPr/>
+            </p:nvSpPr>
+            <p:spPr>
+              <a:xfrm>
+                <a:off x="5614416" y="2938272"/>
+                <a:ext cx="505968" cy="499872"/>
+              </a:xfrm>
+              <a:prstGeom prst="ellipse">
+                <a:avLst/>
+              </a:prstGeom>
+              <a:noFill/>
+              <a:ln>
+                <a:solidFill>
+                  <a:schemeClr val="tx1"/>
+                </a:solidFill>
+              </a:ln>
+            </p:spPr>
+            <p:style>
+              <a:lnRef idx="2">
+                <a:schemeClr val="accent1">
+                  <a:shade val="50000"/>
+                </a:schemeClr>
+              </a:lnRef>
+              <a:fillRef idx="1">
+                <a:schemeClr val="accent1"/>
+              </a:fillRef>
+              <a:effectRef idx="0">
+                <a:schemeClr val="accent1"/>
+              </a:effectRef>
+              <a:fontRef idx="minor">
+                <a:schemeClr val="lt1"/>
+              </a:fontRef>
+            </p:style>
+            <p:txBody>
+              <a:bodyPr rtlCol="0" anchor="ctr"/>
+              <a:lstStyle/>
+              <a:p>
+                <a:pPr algn="ctr"/>
+                <a14:m>
+                  <m:oMathPara xmlns:m="http://schemas.openxmlformats.org/officeDocument/2006/math">
+                    <m:oMathParaPr>
+                      <m:jc m:val="center"/>
+                    </m:oMathParaPr>
+                    <m:oMath xmlns:m="http://schemas.openxmlformats.org/officeDocument/2006/math">
+                      <m:sSub>
+                        <m:sSubPr>
+                          <m:ctrlPr>
+                            <a:rPr lang="en-US" sz="1600" b="0" i="1" smtClean="0">
+                              <a:solidFill>
+                                <a:schemeClr val="tx1"/>
+                              </a:solidFill>
+                              <a:latin typeface="Cambria Math" panose="02040503050406030204" pitchFamily="18" charset="0"/>
+                            </a:rPr>
+                          </m:ctrlPr>
+                        </m:sSubPr>
+                        <m:e>
+                          <m:r>
+                            <a:rPr lang="en-US" sz="1600" b="0" i="1" smtClean="0">
+                              <a:solidFill>
+                                <a:schemeClr val="tx1"/>
+                              </a:solidFill>
+                              <a:latin typeface="Cambria Math" panose="02040503050406030204" pitchFamily="18" charset="0"/>
+                            </a:rPr>
+                            <m:t>𝑠</m:t>
+                          </m:r>
+                        </m:e>
+                        <m:sub>
+                          <m:r>
+                            <a:rPr lang="en-US" sz="1600" b="0" i="1" smtClean="0">
+                              <a:solidFill>
+                                <a:schemeClr val="tx1"/>
+                              </a:solidFill>
+                              <a:latin typeface="Cambria Math" panose="02040503050406030204" pitchFamily="18" charset="0"/>
+                            </a:rPr>
+                            <m:t>4</m:t>
+                          </m:r>
+                        </m:sub>
+                      </m:sSub>
+                    </m:oMath>
+                  </m:oMathPara>
+                </a14:m>
+                <a:endParaRPr lang="en-US" sz="1600" dirty="0">
+                  <a:solidFill>
+                    <a:schemeClr val="tx1"/>
+                  </a:solidFill>
+                </a:endParaRPr>
+              </a:p>
+            </p:txBody>
+          </p:sp>
+        </mc:Choice>
+        <mc:Fallback>
+          <p:sp>
+            <p:nvSpPr>
+              <p:cNvPr id="11" name="Oval 10">
+                <a:extLst>
+                  <a:ext uri="{FF2B5EF4-FFF2-40B4-BE49-F238E27FC236}">
+                    <a16:creationId xmlns:a16="http://schemas.microsoft.com/office/drawing/2014/main" id="{17338652-4146-0543-BDC3-4B7C57FFFCE6}"/>
+                  </a:ext>
+                </a:extLst>
+              </p:cNvPr>
+              <p:cNvSpPr>
+                <a:spLocks noRot="1" noChangeAspect="1" noMove="1" noResize="1" noEditPoints="1" noAdjustHandles="1" noChangeArrowheads="1" noChangeShapeType="1" noTextEdit="1"/>
+              </p:cNvSpPr>
+              <p:nvPr/>
+            </p:nvSpPr>
+            <p:spPr>
+              <a:xfrm>
+                <a:off x="5614416" y="2938272"/>
+                <a:ext cx="505968" cy="499872"/>
+              </a:xfrm>
+              <a:prstGeom prst="ellipse">
+                <a:avLst/>
+              </a:prstGeom>
+              <a:blipFill>
+                <a:blip r:embed="rId8"/>
+                <a:stretch>
+                  <a:fillRect/>
+                </a:stretch>
+              </a:blipFill>
+              <a:ln>
+                <a:solidFill>
+                  <a:schemeClr val="tx1"/>
+                </a:solidFill>
+              </a:ln>
+            </p:spPr>
+            <p:txBody>
+              <a:bodyPr/>
+              <a:lstStyle/>
+              <a:p>
+                <a:r>
+                  <a:rPr lang="en-US">
+                    <a:noFill/>
+                  </a:rPr>
+                  <a:t> </a:t>
+                </a:r>
+              </a:p>
+            </p:txBody>
+          </p:sp>
+        </mc:Fallback>
+      </mc:AlternateContent>
+      <mc:AlternateContent xmlns:mc="http://schemas.openxmlformats.org/markup-compatibility/2006">
+        <mc:Choice xmlns:a14="http://schemas.microsoft.com/office/drawing/2010/main" Requires="a14">
+          <p:sp>
+            <p:nvSpPr>
+              <p:cNvPr id="12" name="Oval 11">
+                <a:extLst>
+                  <a:ext uri="{FF2B5EF4-FFF2-40B4-BE49-F238E27FC236}">
+                    <a16:creationId xmlns:a16="http://schemas.microsoft.com/office/drawing/2014/main" id="{64C2E02D-0EBE-0B4D-A6BB-58E7DD42629F}"/>
+                  </a:ext>
+                </a:extLst>
+              </p:cNvPr>
+              <p:cNvSpPr/>
+              <p:nvPr/>
+            </p:nvSpPr>
+            <p:spPr>
+              <a:xfrm>
+                <a:off x="6675120" y="2938272"/>
+                <a:ext cx="505968" cy="499872"/>
+              </a:xfrm>
+              <a:prstGeom prst="ellipse">
+                <a:avLst/>
+              </a:prstGeom>
+              <a:noFill/>
+              <a:ln>
+                <a:solidFill>
+                  <a:schemeClr val="tx1"/>
+                </a:solidFill>
+              </a:ln>
+            </p:spPr>
+            <p:style>
+              <a:lnRef idx="2">
+                <a:schemeClr val="accent1">
+                  <a:shade val="50000"/>
+                </a:schemeClr>
+              </a:lnRef>
+              <a:fillRef idx="1">
+                <a:schemeClr val="accent1"/>
+              </a:fillRef>
+              <a:effectRef idx="0">
+                <a:schemeClr val="accent1"/>
+              </a:effectRef>
+              <a:fontRef idx="minor">
+                <a:schemeClr val="lt1"/>
+              </a:fontRef>
+            </p:style>
+            <p:txBody>
+              <a:bodyPr rtlCol="0" anchor="ctr"/>
+              <a:lstStyle/>
+              <a:p>
+                <a:pPr algn="ctr"/>
+                <a14:m>
+                  <m:oMathPara xmlns:m="http://schemas.openxmlformats.org/officeDocument/2006/math">
+                    <m:oMathParaPr>
+                      <m:jc m:val="center"/>
+                    </m:oMathParaPr>
+                    <m:oMath xmlns:m="http://schemas.openxmlformats.org/officeDocument/2006/math">
+                      <m:sSub>
+                        <m:sSubPr>
+                          <m:ctrlPr>
+                            <a:rPr lang="en-US" sz="1600" b="0" i="1" smtClean="0">
+                              <a:solidFill>
+                                <a:schemeClr val="tx1"/>
+                              </a:solidFill>
+                              <a:latin typeface="Cambria Math" panose="02040503050406030204" pitchFamily="18" charset="0"/>
+                            </a:rPr>
+                          </m:ctrlPr>
+                        </m:sSubPr>
+                        <m:e>
+                          <m:r>
+                            <a:rPr lang="en-US" sz="1600" b="0" i="1" smtClean="0">
+                              <a:solidFill>
+                                <a:schemeClr val="tx1"/>
+                              </a:solidFill>
+                              <a:latin typeface="Cambria Math" panose="02040503050406030204" pitchFamily="18" charset="0"/>
+                            </a:rPr>
+                            <m:t>𝑠</m:t>
+                          </m:r>
+                        </m:e>
+                        <m:sub>
+                          <m:r>
+                            <a:rPr lang="en-US" sz="1600" b="0" i="1" smtClean="0">
+                              <a:solidFill>
+                                <a:schemeClr val="tx1"/>
+                              </a:solidFill>
+                              <a:latin typeface="Cambria Math" panose="02040503050406030204" pitchFamily="18" charset="0"/>
+                            </a:rPr>
+                            <m:t>5</m:t>
+                          </m:r>
+                        </m:sub>
+                      </m:sSub>
+                    </m:oMath>
+                  </m:oMathPara>
+                </a14:m>
+                <a:endParaRPr lang="en-US" sz="1600" dirty="0">
+                  <a:solidFill>
+                    <a:schemeClr val="tx1"/>
+                  </a:solidFill>
+                </a:endParaRPr>
+              </a:p>
+            </p:txBody>
+          </p:sp>
+        </mc:Choice>
+        <mc:Fallback>
+          <p:sp>
+            <p:nvSpPr>
+              <p:cNvPr id="12" name="Oval 11">
+                <a:extLst>
+                  <a:ext uri="{FF2B5EF4-FFF2-40B4-BE49-F238E27FC236}">
+                    <a16:creationId xmlns:a16="http://schemas.microsoft.com/office/drawing/2014/main" id="{64C2E02D-0EBE-0B4D-A6BB-58E7DD42629F}"/>
+                  </a:ext>
+                </a:extLst>
+              </p:cNvPr>
+              <p:cNvSpPr>
+                <a:spLocks noRot="1" noChangeAspect="1" noMove="1" noResize="1" noEditPoints="1" noAdjustHandles="1" noChangeArrowheads="1" noChangeShapeType="1" noTextEdit="1"/>
+              </p:cNvSpPr>
+              <p:nvPr/>
+            </p:nvSpPr>
+            <p:spPr>
+              <a:xfrm>
+                <a:off x="6675120" y="2938272"/>
+                <a:ext cx="505968" cy="499872"/>
+              </a:xfrm>
+              <a:prstGeom prst="ellipse">
+                <a:avLst/>
+              </a:prstGeom>
+              <a:blipFill>
+                <a:blip r:embed="rId9"/>
+                <a:stretch>
+                  <a:fillRect/>
+                </a:stretch>
+              </a:blipFill>
+              <a:ln>
+                <a:solidFill>
+                  <a:schemeClr val="tx1"/>
+                </a:solidFill>
+              </a:ln>
+            </p:spPr>
+            <p:txBody>
+              <a:bodyPr/>
+              <a:lstStyle/>
+              <a:p>
+                <a:r>
+                  <a:rPr lang="en-US">
+                    <a:noFill/>
+                  </a:rPr>
+                  <a:t> </a:t>
+                </a:r>
+              </a:p>
+            </p:txBody>
+          </p:sp>
+        </mc:Fallback>
+      </mc:AlternateContent>
+      <p:cxnSp>
+        <p:nvCxnSpPr>
+          <p:cNvPr id="14" name="Straight Arrow Connector 13">
+            <a:extLst>
+              <a:ext uri="{FF2B5EF4-FFF2-40B4-BE49-F238E27FC236}">
+                <a16:creationId xmlns:a16="http://schemas.microsoft.com/office/drawing/2014/main" id="{AB265A5F-1831-9643-BB73-1AECED41A8D7}"/>
+              </a:ext>
+            </a:extLst>
+          </p:cNvPr>
+          <p:cNvCxnSpPr>
+            <a:stCxn id="2" idx="3"/>
+            <a:endCxn id="7" idx="7"/>
+          </p:cNvCxnSpPr>
+          <p:nvPr/>
+        </p:nvCxnSpPr>
+        <p:spPr>
+          <a:xfrm flipH="1">
+            <a:off x="4119951" y="1127707"/>
+            <a:ext cx="879714" cy="670666"/>
+          </a:xfrm>
+          <a:prstGeom prst="straightConnector1">
+            <a:avLst/>
+          </a:prstGeom>
+          <a:ln>
+            <a:solidFill>
+              <a:schemeClr val="tx1"/>
+            </a:solidFill>
+            <a:tailEnd type="triangle"/>
+          </a:ln>
+        </p:spPr>
+        <p:style>
+          <a:lnRef idx="1">
+            <a:schemeClr val="accent1"/>
+          </a:lnRef>
+          <a:fillRef idx="0">
+            <a:schemeClr val="accent1"/>
+          </a:fillRef>
+          <a:effectRef idx="0">
+            <a:schemeClr val="accent1"/>
+          </a:effectRef>
+          <a:fontRef idx="minor">
+            <a:schemeClr val="tx1"/>
+          </a:fontRef>
+        </p:style>
+      </p:cxnSp>
+      <p:cxnSp>
+        <p:nvCxnSpPr>
+          <p:cNvPr id="15" name="Straight Arrow Connector 14">
+            <a:extLst>
+              <a:ext uri="{FF2B5EF4-FFF2-40B4-BE49-F238E27FC236}">
+                <a16:creationId xmlns:a16="http://schemas.microsoft.com/office/drawing/2014/main" id="{9DF3E5A8-F98B-4D46-8E7E-CBF2EAE63DF3}"/>
+              </a:ext>
+            </a:extLst>
+          </p:cNvPr>
+          <p:cNvCxnSpPr>
+            <a:cxnSpLocks/>
+            <a:stCxn id="2" idx="5"/>
+            <a:endCxn id="6" idx="1"/>
+          </p:cNvCxnSpPr>
+          <p:nvPr/>
+        </p:nvCxnSpPr>
+        <p:spPr>
+          <a:xfrm>
+            <a:off x="5357439" y="1127707"/>
+            <a:ext cx="837042" cy="670666"/>
+          </a:xfrm>
+          <a:prstGeom prst="straightConnector1">
+            <a:avLst/>
+          </a:prstGeom>
+          <a:ln>
+            <a:solidFill>
+              <a:schemeClr val="tx1"/>
+            </a:solidFill>
+            <a:tailEnd type="triangle"/>
+          </a:ln>
+        </p:spPr>
+        <p:style>
+          <a:lnRef idx="1">
+            <a:schemeClr val="accent1"/>
+          </a:lnRef>
+          <a:fillRef idx="0">
+            <a:schemeClr val="accent1"/>
+          </a:fillRef>
+          <a:effectRef idx="0">
+            <a:schemeClr val="accent1"/>
+          </a:effectRef>
+          <a:fontRef idx="minor">
+            <a:schemeClr val="tx1"/>
+          </a:fontRef>
+        </p:style>
+      </p:cxnSp>
+      <p:cxnSp>
+        <p:nvCxnSpPr>
+          <p:cNvPr id="19" name="Straight Arrow Connector 18">
+            <a:extLst>
+              <a:ext uri="{FF2B5EF4-FFF2-40B4-BE49-F238E27FC236}">
+                <a16:creationId xmlns:a16="http://schemas.microsoft.com/office/drawing/2014/main" id="{3419845B-64C9-F04C-A3C4-9D4B3FAFA7DC}"/>
+              </a:ext>
+            </a:extLst>
+          </p:cNvPr>
+          <p:cNvCxnSpPr>
+            <a:cxnSpLocks/>
+            <a:stCxn id="7" idx="4"/>
+            <a:endCxn id="10" idx="0"/>
+          </p:cNvCxnSpPr>
+          <p:nvPr/>
+        </p:nvCxnSpPr>
+        <p:spPr>
+          <a:xfrm>
+            <a:off x="3941064" y="2225040"/>
+            <a:ext cx="487680" cy="713232"/>
+          </a:xfrm>
+          <a:prstGeom prst="straightConnector1">
+            <a:avLst/>
+          </a:prstGeom>
+          <a:ln>
+            <a:solidFill>
+              <a:schemeClr val="tx1"/>
+            </a:solidFill>
+            <a:tailEnd type="triangle"/>
+          </a:ln>
+        </p:spPr>
+        <p:style>
+          <a:lnRef idx="1">
+            <a:schemeClr val="accent1"/>
+          </a:lnRef>
+          <a:fillRef idx="0">
+            <a:schemeClr val="accent1"/>
+          </a:fillRef>
+          <a:effectRef idx="0">
+            <a:schemeClr val="accent1"/>
+          </a:effectRef>
+          <a:fontRef idx="minor">
+            <a:schemeClr val="tx1"/>
+          </a:fontRef>
+        </p:style>
+      </p:cxnSp>
+      <p:cxnSp>
+        <p:nvCxnSpPr>
+          <p:cNvPr id="21" name="Straight Arrow Connector 20">
+            <a:extLst>
+              <a:ext uri="{FF2B5EF4-FFF2-40B4-BE49-F238E27FC236}">
+                <a16:creationId xmlns:a16="http://schemas.microsoft.com/office/drawing/2014/main" id="{1107A127-9A78-7947-A001-A0CFC43840EB}"/>
+              </a:ext>
+            </a:extLst>
+          </p:cNvPr>
+          <p:cNvCxnSpPr>
+            <a:stCxn id="7" idx="4"/>
+            <a:endCxn id="9" idx="0"/>
+          </p:cNvCxnSpPr>
+          <p:nvPr/>
+        </p:nvCxnSpPr>
+        <p:spPr>
+          <a:xfrm flipH="1">
+            <a:off x="3688080" y="2225040"/>
+            <a:ext cx="252984" cy="713232"/>
+          </a:xfrm>
+          <a:prstGeom prst="straightConnector1">
+            <a:avLst/>
+          </a:prstGeom>
+          <a:ln>
+            <a:solidFill>
+              <a:schemeClr val="tx1"/>
+            </a:solidFill>
+            <a:tailEnd type="triangle"/>
+          </a:ln>
+        </p:spPr>
+        <p:style>
+          <a:lnRef idx="1">
+            <a:schemeClr val="accent1"/>
+          </a:lnRef>
+          <a:fillRef idx="0">
+            <a:schemeClr val="accent1"/>
+          </a:fillRef>
+          <a:effectRef idx="0">
+            <a:schemeClr val="accent1"/>
+          </a:effectRef>
+          <a:fontRef idx="minor">
+            <a:schemeClr val="tx1"/>
+          </a:fontRef>
+        </p:style>
+      </p:cxnSp>
+      <p:cxnSp>
+        <p:nvCxnSpPr>
+          <p:cNvPr id="23" name="Straight Arrow Connector 22">
+            <a:extLst>
+              <a:ext uri="{FF2B5EF4-FFF2-40B4-BE49-F238E27FC236}">
+                <a16:creationId xmlns:a16="http://schemas.microsoft.com/office/drawing/2014/main" id="{C651C8C5-BC55-E44B-BF91-3B170394C1D6}"/>
+              </a:ext>
+            </a:extLst>
+          </p:cNvPr>
+          <p:cNvCxnSpPr>
+            <a:cxnSpLocks/>
+            <a:stCxn id="7" idx="4"/>
+            <a:endCxn id="8" idx="0"/>
+          </p:cNvCxnSpPr>
+          <p:nvPr/>
+        </p:nvCxnSpPr>
+        <p:spPr>
+          <a:xfrm flipH="1">
+            <a:off x="2947416" y="2225040"/>
+            <a:ext cx="993648" cy="713232"/>
+          </a:xfrm>
+          <a:prstGeom prst="straightConnector1">
+            <a:avLst/>
+          </a:prstGeom>
+          <a:ln>
+            <a:solidFill>
+              <a:schemeClr val="tx1"/>
+            </a:solidFill>
+            <a:tailEnd type="triangle"/>
+          </a:ln>
+        </p:spPr>
+        <p:style>
+          <a:lnRef idx="1">
+            <a:schemeClr val="accent1"/>
+          </a:lnRef>
+          <a:fillRef idx="0">
+            <a:schemeClr val="accent1"/>
+          </a:fillRef>
+          <a:effectRef idx="0">
+            <a:schemeClr val="accent1"/>
+          </a:effectRef>
+          <a:fontRef idx="minor">
+            <a:schemeClr val="tx1"/>
+          </a:fontRef>
+        </p:style>
+      </p:cxnSp>
+      <p:cxnSp>
+        <p:nvCxnSpPr>
+          <p:cNvPr id="26" name="Straight Arrow Connector 25">
+            <a:extLst>
+              <a:ext uri="{FF2B5EF4-FFF2-40B4-BE49-F238E27FC236}">
+                <a16:creationId xmlns:a16="http://schemas.microsoft.com/office/drawing/2014/main" id="{BDBD184A-E7F9-3545-91C1-C365B5A3E285}"/>
+              </a:ext>
+            </a:extLst>
+          </p:cNvPr>
+          <p:cNvCxnSpPr>
+            <a:cxnSpLocks/>
+            <a:stCxn id="6" idx="4"/>
+            <a:endCxn id="12" idx="0"/>
+          </p:cNvCxnSpPr>
+          <p:nvPr/>
+        </p:nvCxnSpPr>
+        <p:spPr>
+          <a:xfrm>
+            <a:off x="6373368" y="2225040"/>
+            <a:ext cx="554736" cy="713232"/>
+          </a:xfrm>
+          <a:prstGeom prst="straightConnector1">
+            <a:avLst/>
+          </a:prstGeom>
+          <a:ln>
+            <a:solidFill>
+              <a:schemeClr val="tx1"/>
+            </a:solidFill>
+            <a:tailEnd type="triangle"/>
+          </a:ln>
+        </p:spPr>
+        <p:style>
+          <a:lnRef idx="1">
+            <a:schemeClr val="accent1"/>
+          </a:lnRef>
+          <a:fillRef idx="0">
+            <a:schemeClr val="accent1"/>
+          </a:fillRef>
+          <a:effectRef idx="0">
+            <a:schemeClr val="accent1"/>
+          </a:effectRef>
+          <a:fontRef idx="minor">
+            <a:schemeClr val="tx1"/>
+          </a:fontRef>
+        </p:style>
+      </p:cxnSp>
+      <p:cxnSp>
+        <p:nvCxnSpPr>
+          <p:cNvPr id="29" name="Straight Arrow Connector 28">
+            <a:extLst>
+              <a:ext uri="{FF2B5EF4-FFF2-40B4-BE49-F238E27FC236}">
+                <a16:creationId xmlns:a16="http://schemas.microsoft.com/office/drawing/2014/main" id="{5C4C8E35-6367-5046-96BD-B41A15CD1165}"/>
+              </a:ext>
+            </a:extLst>
+          </p:cNvPr>
+          <p:cNvCxnSpPr>
+            <a:cxnSpLocks/>
+            <a:endCxn id="11" idx="0"/>
+          </p:cNvCxnSpPr>
+          <p:nvPr/>
+        </p:nvCxnSpPr>
+        <p:spPr>
+          <a:xfrm flipH="1">
+            <a:off x="5867400" y="2225040"/>
+            <a:ext cx="505968" cy="713232"/>
+          </a:xfrm>
+          <a:prstGeom prst="straightConnector1">
+            <a:avLst/>
+          </a:prstGeom>
+          <a:ln>
+            <a:solidFill>
+              <a:schemeClr val="tx1"/>
+            </a:solidFill>
+            <a:tailEnd type="triangle"/>
+          </a:ln>
+        </p:spPr>
+        <p:style>
+          <a:lnRef idx="1">
+            <a:schemeClr val="accent1"/>
+          </a:lnRef>
+          <a:fillRef idx="0">
+            <a:schemeClr val="accent1"/>
+          </a:fillRef>
+          <a:effectRef idx="0">
+            <a:schemeClr val="accent1"/>
+          </a:effectRef>
+          <a:fontRef idx="minor">
+            <a:schemeClr val="tx1"/>
+          </a:fontRef>
+        </p:style>
+      </p:cxnSp>
+    </p:spTree>
+    <p:extLst>
+      <p:ext uri="{BB962C8B-B14F-4D97-AF65-F5344CB8AC3E}">
+        <p14:creationId xmlns:p14="http://schemas.microsoft.com/office/powerpoint/2010/main" val="1968503486"/>
       </p:ext>
     </p:extLst>
   </p:cSld>
